--- a/cai/redo-2024/Slides/16-03-python4e.07.120816.pptx
+++ b/cai/redo-2024/Slides/16-03-python4e.07.120816.pptx
@@ -5356,7 +5356,7 @@
           <a:p>
             <a:pPr algn="ctr"/>
             <a:r>
-              <a:rPr lang="en" sz="3200" dirty="0">
+              <a:rPr lang="en" sz="3200">
                 <a:solidFill>
                   <a:srgbClr val="FFFF00"/>
                 </a:solidFill>
@@ -5365,7 +5365,7 @@
                 <a:cs typeface="Courier"/>
                 <a:sym typeface="Courier New"/>
               </a:rPr>
-              <a:t>http://</a:t>
+              <a:t>https://</a:t>
             </a:r>
             <a:r>
               <a:rPr lang="en" sz="3200" dirty="0" err="1">
